--- a/fullset/40.詳細設計書/システム構成図.pptx
+++ b/fullset/40.詳細設計書/システム構成図.pptx
@@ -109,6 +109,11 @@
       </a:defRPr>
     </a:lvl9pPr>
   </p:defaultTextStyle>
+  <p:extLst>
+    <p:ext uri="{EFAFB233-063F-42B5-8137-9DF3F51BA10A}">
+      <p15:sldGuideLst xmlns:p15="http://schemas.microsoft.com/office/powerpoint/2012/main"/>
+    </p:ext>
+  </p:extLst>
 </p:presentation>
 </file>
 
@@ -259,7 +264,7 @@
           <a:p>
             <a:fld id="{01F2289B-9F09-4A1D-A293-96400DCBD485}" type="datetimeFigureOut">
               <a:rPr kumimoji="1" lang="ja-JP" altLang="en-US" smtClean="0"/>
-              <a:t>2023/12/26</a:t>
+              <a:t>2023/12/28</a:t>
             </a:fld>
             <a:endParaRPr kumimoji="1" lang="ja-JP" altLang="en-US"/>
           </a:p>
@@ -489,7 +494,7 @@
           <a:p>
             <a:fld id="{01F2289B-9F09-4A1D-A293-96400DCBD485}" type="datetimeFigureOut">
               <a:rPr kumimoji="1" lang="ja-JP" altLang="en-US" smtClean="0"/>
-              <a:t>2023/12/26</a:t>
+              <a:t>2023/12/28</a:t>
             </a:fld>
             <a:endParaRPr kumimoji="1" lang="ja-JP" altLang="en-US"/>
           </a:p>
@@ -729,7 +734,7 @@
           <a:p>
             <a:fld id="{01F2289B-9F09-4A1D-A293-96400DCBD485}" type="datetimeFigureOut">
               <a:rPr kumimoji="1" lang="ja-JP" altLang="en-US" smtClean="0"/>
-              <a:t>2023/12/26</a:t>
+              <a:t>2023/12/28</a:t>
             </a:fld>
             <a:endParaRPr kumimoji="1" lang="ja-JP" altLang="en-US"/>
           </a:p>
@@ -959,7 +964,7 @@
           <a:p>
             <a:fld id="{01F2289B-9F09-4A1D-A293-96400DCBD485}" type="datetimeFigureOut">
               <a:rPr kumimoji="1" lang="ja-JP" altLang="en-US" smtClean="0"/>
-              <a:t>2023/12/26</a:t>
+              <a:t>2023/12/28</a:t>
             </a:fld>
             <a:endParaRPr kumimoji="1" lang="ja-JP" altLang="en-US"/>
           </a:p>
@@ -1234,7 +1239,7 @@
           <a:p>
             <a:fld id="{01F2289B-9F09-4A1D-A293-96400DCBD485}" type="datetimeFigureOut">
               <a:rPr kumimoji="1" lang="ja-JP" altLang="en-US" smtClean="0"/>
-              <a:t>2023/12/26</a:t>
+              <a:t>2023/12/28</a:t>
             </a:fld>
             <a:endParaRPr kumimoji="1" lang="ja-JP" altLang="en-US"/>
           </a:p>
@@ -1563,7 +1568,7 @@
           <a:p>
             <a:fld id="{01F2289B-9F09-4A1D-A293-96400DCBD485}" type="datetimeFigureOut">
               <a:rPr kumimoji="1" lang="ja-JP" altLang="en-US" smtClean="0"/>
-              <a:t>2023/12/26</a:t>
+              <a:t>2023/12/28</a:t>
             </a:fld>
             <a:endParaRPr kumimoji="1" lang="ja-JP" altLang="en-US"/>
           </a:p>
@@ -2039,7 +2044,7 @@
           <a:p>
             <a:fld id="{01F2289B-9F09-4A1D-A293-96400DCBD485}" type="datetimeFigureOut">
               <a:rPr kumimoji="1" lang="ja-JP" altLang="en-US" smtClean="0"/>
-              <a:t>2023/12/26</a:t>
+              <a:t>2023/12/28</a:t>
             </a:fld>
             <a:endParaRPr kumimoji="1" lang="ja-JP" altLang="en-US"/>
           </a:p>
@@ -2180,7 +2185,7 @@
           <a:p>
             <a:fld id="{01F2289B-9F09-4A1D-A293-96400DCBD485}" type="datetimeFigureOut">
               <a:rPr kumimoji="1" lang="ja-JP" altLang="en-US" smtClean="0"/>
-              <a:t>2023/12/26</a:t>
+              <a:t>2023/12/28</a:t>
             </a:fld>
             <a:endParaRPr kumimoji="1" lang="ja-JP" altLang="en-US"/>
           </a:p>
@@ -2293,7 +2298,7 @@
           <a:p>
             <a:fld id="{01F2289B-9F09-4A1D-A293-96400DCBD485}" type="datetimeFigureOut">
               <a:rPr kumimoji="1" lang="ja-JP" altLang="en-US" smtClean="0"/>
-              <a:t>2023/12/26</a:t>
+              <a:t>2023/12/28</a:t>
             </a:fld>
             <a:endParaRPr kumimoji="1" lang="ja-JP" altLang="en-US"/>
           </a:p>
@@ -2636,7 +2641,7 @@
           <a:p>
             <a:fld id="{01F2289B-9F09-4A1D-A293-96400DCBD485}" type="datetimeFigureOut">
               <a:rPr kumimoji="1" lang="ja-JP" altLang="en-US" smtClean="0"/>
-              <a:t>2023/12/26</a:t>
+              <a:t>2023/12/28</a:t>
             </a:fld>
             <a:endParaRPr kumimoji="1" lang="ja-JP" altLang="en-US"/>
           </a:p>
@@ -2924,7 +2929,7 @@
           <a:p>
             <a:fld id="{01F2289B-9F09-4A1D-A293-96400DCBD485}" type="datetimeFigureOut">
               <a:rPr kumimoji="1" lang="ja-JP" altLang="en-US" smtClean="0"/>
-              <a:t>2023/12/26</a:t>
+              <a:t>2023/12/28</a:t>
             </a:fld>
             <a:endParaRPr kumimoji="1" lang="ja-JP" altLang="en-US"/>
           </a:p>
@@ -3197,7 +3202,7 @@
           <a:p>
             <a:fld id="{01F2289B-9F09-4A1D-A293-96400DCBD485}" type="datetimeFigureOut">
               <a:rPr kumimoji="1" lang="ja-JP" altLang="en-US" smtClean="0"/>
-              <a:t>2023/12/26</a:t>
+              <a:t>2023/12/28</a:t>
             </a:fld>
             <a:endParaRPr kumimoji="1" lang="ja-JP" altLang="en-US"/>
           </a:p>
@@ -18241,7 +18246,7 @@
           <a:p>
             <a:r>
               <a:rPr kumimoji="1" lang="en-US" altLang="ja-JP" sz="1200" dirty="0"/>
-              <a:t>Port 4096</a:t>
+              <a:t>Port 2096</a:t>
             </a:r>
             <a:endParaRPr kumimoji="1" lang="ja-JP" altLang="en-US" sz="1200" dirty="0"/>
           </a:p>

--- a/fullset/40.詳細設計書/システム構成図.pptx
+++ b/fullset/40.詳細設計書/システム構成図.pptx
@@ -264,7 +264,7 @@
           <a:p>
             <a:fld id="{01F2289B-9F09-4A1D-A293-96400DCBD485}" type="datetimeFigureOut">
               <a:rPr kumimoji="1" lang="ja-JP" altLang="en-US" smtClean="0"/>
-              <a:t>2023/12/28</a:t>
+              <a:t>2024/1/9</a:t>
             </a:fld>
             <a:endParaRPr kumimoji="1" lang="ja-JP" altLang="en-US"/>
           </a:p>
@@ -494,7 +494,7 @@
           <a:p>
             <a:fld id="{01F2289B-9F09-4A1D-A293-96400DCBD485}" type="datetimeFigureOut">
               <a:rPr kumimoji="1" lang="ja-JP" altLang="en-US" smtClean="0"/>
-              <a:t>2023/12/28</a:t>
+              <a:t>2024/1/9</a:t>
             </a:fld>
             <a:endParaRPr kumimoji="1" lang="ja-JP" altLang="en-US"/>
           </a:p>
@@ -734,7 +734,7 @@
           <a:p>
             <a:fld id="{01F2289B-9F09-4A1D-A293-96400DCBD485}" type="datetimeFigureOut">
               <a:rPr kumimoji="1" lang="ja-JP" altLang="en-US" smtClean="0"/>
-              <a:t>2023/12/28</a:t>
+              <a:t>2024/1/9</a:t>
             </a:fld>
             <a:endParaRPr kumimoji="1" lang="ja-JP" altLang="en-US"/>
           </a:p>
@@ -964,7 +964,7 @@
           <a:p>
             <a:fld id="{01F2289B-9F09-4A1D-A293-96400DCBD485}" type="datetimeFigureOut">
               <a:rPr kumimoji="1" lang="ja-JP" altLang="en-US" smtClean="0"/>
-              <a:t>2023/12/28</a:t>
+              <a:t>2024/1/9</a:t>
             </a:fld>
             <a:endParaRPr kumimoji="1" lang="ja-JP" altLang="en-US"/>
           </a:p>
@@ -1239,7 +1239,7 @@
           <a:p>
             <a:fld id="{01F2289B-9F09-4A1D-A293-96400DCBD485}" type="datetimeFigureOut">
               <a:rPr kumimoji="1" lang="ja-JP" altLang="en-US" smtClean="0"/>
-              <a:t>2023/12/28</a:t>
+              <a:t>2024/1/9</a:t>
             </a:fld>
             <a:endParaRPr kumimoji="1" lang="ja-JP" altLang="en-US"/>
           </a:p>
@@ -1568,7 +1568,7 @@
           <a:p>
             <a:fld id="{01F2289B-9F09-4A1D-A293-96400DCBD485}" type="datetimeFigureOut">
               <a:rPr kumimoji="1" lang="ja-JP" altLang="en-US" smtClean="0"/>
-              <a:t>2023/12/28</a:t>
+              <a:t>2024/1/9</a:t>
             </a:fld>
             <a:endParaRPr kumimoji="1" lang="ja-JP" altLang="en-US"/>
           </a:p>
@@ -2044,7 +2044,7 @@
           <a:p>
             <a:fld id="{01F2289B-9F09-4A1D-A293-96400DCBD485}" type="datetimeFigureOut">
               <a:rPr kumimoji="1" lang="ja-JP" altLang="en-US" smtClean="0"/>
-              <a:t>2023/12/28</a:t>
+              <a:t>2024/1/9</a:t>
             </a:fld>
             <a:endParaRPr kumimoji="1" lang="ja-JP" altLang="en-US"/>
           </a:p>
@@ -2185,7 +2185,7 @@
           <a:p>
             <a:fld id="{01F2289B-9F09-4A1D-A293-96400DCBD485}" type="datetimeFigureOut">
               <a:rPr kumimoji="1" lang="ja-JP" altLang="en-US" smtClean="0"/>
-              <a:t>2023/12/28</a:t>
+              <a:t>2024/1/9</a:t>
             </a:fld>
             <a:endParaRPr kumimoji="1" lang="ja-JP" altLang="en-US"/>
           </a:p>
@@ -2298,7 +2298,7 @@
           <a:p>
             <a:fld id="{01F2289B-9F09-4A1D-A293-96400DCBD485}" type="datetimeFigureOut">
               <a:rPr kumimoji="1" lang="ja-JP" altLang="en-US" smtClean="0"/>
-              <a:t>2023/12/28</a:t>
+              <a:t>2024/1/9</a:t>
             </a:fld>
             <a:endParaRPr kumimoji="1" lang="ja-JP" altLang="en-US"/>
           </a:p>
@@ -2641,7 +2641,7 @@
           <a:p>
             <a:fld id="{01F2289B-9F09-4A1D-A293-96400DCBD485}" type="datetimeFigureOut">
               <a:rPr kumimoji="1" lang="ja-JP" altLang="en-US" smtClean="0"/>
-              <a:t>2023/12/28</a:t>
+              <a:t>2024/1/9</a:t>
             </a:fld>
             <a:endParaRPr kumimoji="1" lang="ja-JP" altLang="en-US"/>
           </a:p>
@@ -2929,7 +2929,7 @@
           <a:p>
             <a:fld id="{01F2289B-9F09-4A1D-A293-96400DCBD485}" type="datetimeFigureOut">
               <a:rPr kumimoji="1" lang="ja-JP" altLang="en-US" smtClean="0"/>
-              <a:t>2023/12/28</a:t>
+              <a:t>2024/1/9</a:t>
             </a:fld>
             <a:endParaRPr kumimoji="1" lang="ja-JP" altLang="en-US"/>
           </a:p>
@@ -3202,7 +3202,7 @@
           <a:p>
             <a:fld id="{01F2289B-9F09-4A1D-A293-96400DCBD485}" type="datetimeFigureOut">
               <a:rPr kumimoji="1" lang="ja-JP" altLang="en-US" smtClean="0"/>
-              <a:t>2023/12/28</a:t>
+              <a:t>2024/1/9</a:t>
             </a:fld>
             <a:endParaRPr kumimoji="1" lang="ja-JP" altLang="en-US"/>
           </a:p>
@@ -20969,15 +20969,16 @@
             </a:extLst>
           </p:cNvPr>
           <p:cNvCxnSpPr>
-            <a:stCxn id="33" idx="2"/>
+            <a:cxnSpLocks/>
+            <a:stCxn id="34" idx="2"/>
             <a:endCxn id="9" idx="1"/>
           </p:cNvCxnSpPr>
           <p:nvPr/>
         </p:nvCxnSpPr>
         <p:spPr>
           <a:xfrm rot="16200000" flipH="1">
-            <a:off x="7477410" y="1877585"/>
-            <a:ext cx="260089" cy="6227096"/>
+            <a:off x="7349121" y="1749297"/>
+            <a:ext cx="527080" cy="6216682"/>
           </a:xfrm>
           <a:prstGeom prst="bentConnector2">
             <a:avLst/>

--- a/fullset/40.詳細設計書/システム構成図.pptx
+++ b/fullset/40.詳細設計書/システム構成図.pptx
@@ -264,7 +264,7 @@
           <a:p>
             <a:fld id="{01F2289B-9F09-4A1D-A293-96400DCBD485}" type="datetimeFigureOut">
               <a:rPr kumimoji="1" lang="ja-JP" altLang="en-US" smtClean="0"/>
-              <a:t>2024/1/9</a:t>
+              <a:t>2024/1/16</a:t>
             </a:fld>
             <a:endParaRPr kumimoji="1" lang="ja-JP" altLang="en-US"/>
           </a:p>
@@ -494,7 +494,7 @@
           <a:p>
             <a:fld id="{01F2289B-9F09-4A1D-A293-96400DCBD485}" type="datetimeFigureOut">
               <a:rPr kumimoji="1" lang="ja-JP" altLang="en-US" smtClean="0"/>
-              <a:t>2024/1/9</a:t>
+              <a:t>2024/1/16</a:t>
             </a:fld>
             <a:endParaRPr kumimoji="1" lang="ja-JP" altLang="en-US"/>
           </a:p>
@@ -734,7 +734,7 @@
           <a:p>
             <a:fld id="{01F2289B-9F09-4A1D-A293-96400DCBD485}" type="datetimeFigureOut">
               <a:rPr kumimoji="1" lang="ja-JP" altLang="en-US" smtClean="0"/>
-              <a:t>2024/1/9</a:t>
+              <a:t>2024/1/16</a:t>
             </a:fld>
             <a:endParaRPr kumimoji="1" lang="ja-JP" altLang="en-US"/>
           </a:p>
@@ -964,7 +964,7 @@
           <a:p>
             <a:fld id="{01F2289B-9F09-4A1D-A293-96400DCBD485}" type="datetimeFigureOut">
               <a:rPr kumimoji="1" lang="ja-JP" altLang="en-US" smtClean="0"/>
-              <a:t>2024/1/9</a:t>
+              <a:t>2024/1/16</a:t>
             </a:fld>
             <a:endParaRPr kumimoji="1" lang="ja-JP" altLang="en-US"/>
           </a:p>
@@ -1239,7 +1239,7 @@
           <a:p>
             <a:fld id="{01F2289B-9F09-4A1D-A293-96400DCBD485}" type="datetimeFigureOut">
               <a:rPr kumimoji="1" lang="ja-JP" altLang="en-US" smtClean="0"/>
-              <a:t>2024/1/9</a:t>
+              <a:t>2024/1/16</a:t>
             </a:fld>
             <a:endParaRPr kumimoji="1" lang="ja-JP" altLang="en-US"/>
           </a:p>
@@ -1568,7 +1568,7 @@
           <a:p>
             <a:fld id="{01F2289B-9F09-4A1D-A293-96400DCBD485}" type="datetimeFigureOut">
               <a:rPr kumimoji="1" lang="ja-JP" altLang="en-US" smtClean="0"/>
-              <a:t>2024/1/9</a:t>
+              <a:t>2024/1/16</a:t>
             </a:fld>
             <a:endParaRPr kumimoji="1" lang="ja-JP" altLang="en-US"/>
           </a:p>
@@ -2044,7 +2044,7 @@
           <a:p>
             <a:fld id="{01F2289B-9F09-4A1D-A293-96400DCBD485}" type="datetimeFigureOut">
               <a:rPr kumimoji="1" lang="ja-JP" altLang="en-US" smtClean="0"/>
-              <a:t>2024/1/9</a:t>
+              <a:t>2024/1/16</a:t>
             </a:fld>
             <a:endParaRPr kumimoji="1" lang="ja-JP" altLang="en-US"/>
           </a:p>
@@ -2185,7 +2185,7 @@
           <a:p>
             <a:fld id="{01F2289B-9F09-4A1D-A293-96400DCBD485}" type="datetimeFigureOut">
               <a:rPr kumimoji="1" lang="ja-JP" altLang="en-US" smtClean="0"/>
-              <a:t>2024/1/9</a:t>
+              <a:t>2024/1/16</a:t>
             </a:fld>
             <a:endParaRPr kumimoji="1" lang="ja-JP" altLang="en-US"/>
           </a:p>
@@ -2298,7 +2298,7 @@
           <a:p>
             <a:fld id="{01F2289B-9F09-4A1D-A293-96400DCBD485}" type="datetimeFigureOut">
               <a:rPr kumimoji="1" lang="ja-JP" altLang="en-US" smtClean="0"/>
-              <a:t>2024/1/9</a:t>
+              <a:t>2024/1/16</a:t>
             </a:fld>
             <a:endParaRPr kumimoji="1" lang="ja-JP" altLang="en-US"/>
           </a:p>
@@ -2641,7 +2641,7 @@
           <a:p>
             <a:fld id="{01F2289B-9F09-4A1D-A293-96400DCBD485}" type="datetimeFigureOut">
               <a:rPr kumimoji="1" lang="ja-JP" altLang="en-US" smtClean="0"/>
-              <a:t>2024/1/9</a:t>
+              <a:t>2024/1/16</a:t>
             </a:fld>
             <a:endParaRPr kumimoji="1" lang="ja-JP" altLang="en-US"/>
           </a:p>
@@ -2929,7 +2929,7 @@
           <a:p>
             <a:fld id="{01F2289B-9F09-4A1D-A293-96400DCBD485}" type="datetimeFigureOut">
               <a:rPr kumimoji="1" lang="ja-JP" altLang="en-US" smtClean="0"/>
-              <a:t>2024/1/9</a:t>
+              <a:t>2024/1/16</a:t>
             </a:fld>
             <a:endParaRPr kumimoji="1" lang="ja-JP" altLang="en-US"/>
           </a:p>
@@ -3202,7 +3202,7 @@
           <a:p>
             <a:fld id="{01F2289B-9F09-4A1D-A293-96400DCBD485}" type="datetimeFigureOut">
               <a:rPr kumimoji="1" lang="ja-JP" altLang="en-US" smtClean="0"/>
-              <a:t>2024/1/9</a:t>
+              <a:t>2024/1/16</a:t>
             </a:fld>
             <a:endParaRPr kumimoji="1" lang="ja-JP" altLang="en-US"/>
           </a:p>
@@ -9255,6 +9255,232 @@
           </a:p>
         </p:txBody>
       </p:sp>
+      <p:grpSp>
+        <p:nvGrpSpPr>
+          <p:cNvPr id="5" name="グループ化 4">
+            <a:extLst>
+              <a:ext uri="{FF2B5EF4-FFF2-40B4-BE49-F238E27FC236}">
+                <a16:creationId xmlns:a16="http://schemas.microsoft.com/office/drawing/2014/main" id="{E9A1183E-E59E-00A8-0808-28B4BEB741B1}"/>
+              </a:ext>
+            </a:extLst>
+          </p:cNvPr>
+          <p:cNvGrpSpPr/>
+          <p:nvPr/>
+        </p:nvGrpSpPr>
+        <p:grpSpPr>
+          <a:xfrm>
+            <a:off x="8678688" y="4037053"/>
+            <a:ext cx="1115568" cy="908857"/>
+            <a:chOff x="3964176" y="5126244"/>
+            <a:chExt cx="1115568" cy="908857"/>
+          </a:xfrm>
+        </p:grpSpPr>
+        <p:sp>
+          <p:nvSpPr>
+            <p:cNvPr id="7" name="TextBox 16">
+              <a:extLst>
+                <a:ext uri="{FF2B5EF4-FFF2-40B4-BE49-F238E27FC236}">
+                  <a16:creationId xmlns:a16="http://schemas.microsoft.com/office/drawing/2014/main" id="{C45814FD-BE5A-3D77-0CDC-5D7E1D150EF4}"/>
+                </a:ext>
+              </a:extLst>
+            </p:cNvPr>
+            <p:cNvSpPr txBox="1">
+              <a:spLocks noChangeArrowheads="1"/>
+            </p:cNvSpPr>
+            <p:nvPr/>
+          </p:nvSpPr>
+          <p:spPr bwMode="auto">
+            <a:xfrm>
+              <a:off x="3964176" y="5573436"/>
+              <a:ext cx="1115568" cy="461665"/>
+            </a:xfrm>
+            <a:prstGeom prst="rect">
+              <a:avLst/>
+            </a:prstGeom>
+            <a:noFill/>
+            <a:ln>
+              <a:noFill/>
+            </a:ln>
+            <a:extLst>
+              <a:ext uri="{909E8E84-426E-40DD-AFC4-6F175D3DCCD1}">
+                <a14:hiddenFill xmlns:a14="http://schemas.microsoft.com/office/drawing/2010/main">
+                  <a:solidFill>
+                    <a:srgbClr val="FFFFFF"/>
+                  </a:solidFill>
+                </a14:hiddenFill>
+              </a:ext>
+              <a:ext uri="{91240B29-F687-4F45-9708-019B960494DF}">
+                <a14:hiddenLine xmlns:a14="http://schemas.microsoft.com/office/drawing/2010/main" w="9525">
+                  <a:solidFill>
+                    <a:srgbClr val="000000"/>
+                  </a:solidFill>
+                  <a:miter lim="800000"/>
+                  <a:headEnd/>
+                  <a:tailEnd/>
+                </a14:hiddenLine>
+              </a:ext>
+            </a:extLst>
+          </p:spPr>
+          <p:txBody>
+            <a:bodyPr wrap="square" lIns="0" rIns="0">
+              <a:spAutoFit/>
+            </a:bodyPr>
+            <a:lstStyle>
+              <a:lvl1pPr>
+                <a:defRPr>
+                  <a:solidFill>
+                    <a:schemeClr val="tx1"/>
+                  </a:solidFill>
+                  <a:latin typeface="Calibri" panose="020F0502020204030204" pitchFamily="34" charset="0"/>
+                </a:defRPr>
+              </a:lvl1pPr>
+              <a:lvl2pPr marL="742950" indent="-285750">
+                <a:defRPr>
+                  <a:solidFill>
+                    <a:schemeClr val="tx1"/>
+                  </a:solidFill>
+                  <a:latin typeface="Calibri" panose="020F0502020204030204" pitchFamily="34" charset="0"/>
+                </a:defRPr>
+              </a:lvl2pPr>
+              <a:lvl3pPr marL="1143000" indent="-228600">
+                <a:defRPr>
+                  <a:solidFill>
+                    <a:schemeClr val="tx1"/>
+                  </a:solidFill>
+                  <a:latin typeface="Calibri" panose="020F0502020204030204" pitchFamily="34" charset="0"/>
+                </a:defRPr>
+              </a:lvl3pPr>
+              <a:lvl4pPr marL="1600200" indent="-228600">
+                <a:defRPr>
+                  <a:solidFill>
+                    <a:schemeClr val="tx1"/>
+                  </a:solidFill>
+                  <a:latin typeface="Calibri" panose="020F0502020204030204" pitchFamily="34" charset="0"/>
+                </a:defRPr>
+              </a:lvl4pPr>
+              <a:lvl5pPr marL="2057400" indent="-228600">
+                <a:defRPr>
+                  <a:solidFill>
+                    <a:schemeClr val="tx1"/>
+                  </a:solidFill>
+                  <a:latin typeface="Calibri" panose="020F0502020204030204" pitchFamily="34" charset="0"/>
+                </a:defRPr>
+              </a:lvl5pPr>
+              <a:lvl6pPr marL="2514600" indent="-228600" eaLnBrk="0" fontAlgn="base" hangingPunct="0">
+                <a:spcBef>
+                  <a:spcPct val="0"/>
+                </a:spcBef>
+                <a:spcAft>
+                  <a:spcPct val="0"/>
+                </a:spcAft>
+                <a:defRPr>
+                  <a:solidFill>
+                    <a:schemeClr val="tx1"/>
+                  </a:solidFill>
+                  <a:latin typeface="Calibri" panose="020F0502020204030204" pitchFamily="34" charset="0"/>
+                </a:defRPr>
+              </a:lvl6pPr>
+              <a:lvl7pPr marL="2971800" indent="-228600" eaLnBrk="0" fontAlgn="base" hangingPunct="0">
+                <a:spcBef>
+                  <a:spcPct val="0"/>
+                </a:spcBef>
+                <a:spcAft>
+                  <a:spcPct val="0"/>
+                </a:spcAft>
+                <a:defRPr>
+                  <a:solidFill>
+                    <a:schemeClr val="tx1"/>
+                  </a:solidFill>
+                  <a:latin typeface="Calibri" panose="020F0502020204030204" pitchFamily="34" charset="0"/>
+                </a:defRPr>
+              </a:lvl7pPr>
+              <a:lvl8pPr marL="3429000" indent="-228600" eaLnBrk="0" fontAlgn="base" hangingPunct="0">
+                <a:spcBef>
+                  <a:spcPct val="0"/>
+                </a:spcBef>
+                <a:spcAft>
+                  <a:spcPct val="0"/>
+                </a:spcAft>
+                <a:defRPr>
+                  <a:solidFill>
+                    <a:schemeClr val="tx1"/>
+                  </a:solidFill>
+                  <a:latin typeface="Calibri" panose="020F0502020204030204" pitchFamily="34" charset="0"/>
+                </a:defRPr>
+              </a:lvl8pPr>
+              <a:lvl9pPr marL="3886200" indent="-228600" eaLnBrk="0" fontAlgn="base" hangingPunct="0">
+                <a:spcBef>
+                  <a:spcPct val="0"/>
+                </a:spcBef>
+                <a:spcAft>
+                  <a:spcPct val="0"/>
+                </a:spcAft>
+                <a:defRPr>
+                  <a:solidFill>
+                    <a:schemeClr val="tx1"/>
+                  </a:solidFill>
+                  <a:latin typeface="Calibri" panose="020F0502020204030204" pitchFamily="34" charset="0"/>
+                </a:defRPr>
+              </a:lvl9pPr>
+            </a:lstStyle>
+            <a:p>
+              <a:pPr algn="ctr" eaLnBrk="1" hangingPunct="1"/>
+              <a:r>
+                <a:rPr lang="en-US" altLang="ja-JP" sz="1200" dirty="0">
+                  <a:latin typeface="Arial" panose="020B0604020202020204" pitchFamily="34" charset="0"/>
+                  <a:ea typeface="Amazon Ember" panose="020B0603020204020204" pitchFamily="34" charset="0"/>
+                  <a:cs typeface="Arial" panose="020B0604020202020204" pitchFamily="34" charset="0"/>
+                </a:rPr>
+                <a:t>Bastion </a:t>
+              </a:r>
+              <a:r>
+                <a:rPr lang="en-US" altLang="en-US" sz="1200" dirty="0">
+                  <a:latin typeface="Arial" panose="020B0604020202020204" pitchFamily="34" charset="0"/>
+                  <a:ea typeface="Amazon Ember" panose="020B0603020204020204" pitchFamily="34" charset="0"/>
+                  <a:cs typeface="Arial" panose="020B0604020202020204" pitchFamily="34" charset="0"/>
+                </a:rPr>
+                <a:t>Instance</a:t>
+              </a:r>
+            </a:p>
+          </p:txBody>
+        </p:sp>
+        <p:pic>
+          <p:nvPicPr>
+            <p:cNvPr id="8" name="Graphic 46">
+              <a:extLst>
+                <a:ext uri="{FF2B5EF4-FFF2-40B4-BE49-F238E27FC236}">
+                  <a16:creationId xmlns:a16="http://schemas.microsoft.com/office/drawing/2014/main" id="{DBA5E1D8-2B8A-3DDA-C15D-8C952402E9DA}"/>
+                </a:ext>
+              </a:extLst>
+            </p:cNvPr>
+            <p:cNvPicPr>
+              <a:picLocks noChangeAspect="1"/>
+            </p:cNvPicPr>
+            <p:nvPr/>
+          </p:nvPicPr>
+          <p:blipFill>
+            <a:blip r:embed="rId10">
+              <a:extLst>
+                <a:ext uri="{96DAC541-7B7A-43D3-8B79-37D633B846F1}">
+                  <asvg:svgBlip xmlns:asvg="http://schemas.microsoft.com/office/drawing/2016/SVG/main" r:embed="rId11"/>
+                </a:ext>
+              </a:extLst>
+            </a:blip>
+            <a:stretch>
+              <a:fillRect/>
+            </a:stretch>
+          </p:blipFill>
+          <p:spPr>
+            <a:xfrm>
+              <a:off x="4303774" y="5126244"/>
+              <a:ext cx="457200" cy="457200"/>
+            </a:xfrm>
+            <a:prstGeom prst="rect">
+              <a:avLst/>
+            </a:prstGeom>
+          </p:spPr>
+        </p:pic>
+      </p:grpSp>
     </p:spTree>
     <p:extLst>
       <p:ext uri="{BB962C8B-B14F-4D97-AF65-F5344CB8AC3E}">
@@ -10741,9 +10967,9 @@
         <p:grpSpPr>
           <a:xfrm>
             <a:off x="7686486" y="1787781"/>
-            <a:ext cx="1654603" cy="586136"/>
+            <a:ext cx="1654603" cy="666146"/>
             <a:chOff x="5781771" y="1952862"/>
-            <a:chExt cx="1654603" cy="586136"/>
+            <a:chExt cx="1654603" cy="666146"/>
           </a:xfrm>
         </p:grpSpPr>
         <p:pic>
@@ -10820,7 +11046,7 @@
           </p:nvSpPr>
           <p:spPr bwMode="auto">
             <a:xfrm>
-              <a:off x="5781771" y="2261999"/>
+              <a:off x="5781771" y="2342009"/>
               <a:ext cx="1654603" cy="276999"/>
             </a:xfrm>
             <a:prstGeom prst="rect">
@@ -10976,15 +11202,16 @@
             </a:extLst>
           </p:cNvPr>
           <p:cNvCxnSpPr>
+            <a:cxnSpLocks/>
             <a:stCxn id="7" idx="0"/>
-            <a:endCxn id="10" idx="1"/>
+            <a:endCxn id="8" idx="1"/>
           </p:cNvCxnSpPr>
           <p:nvPr/>
         </p:nvCxnSpPr>
         <p:spPr>
           <a:xfrm rot="5400000" flipH="1" flipV="1">
-            <a:off x="5764056" y="2592699"/>
-            <a:ext cx="2279710" cy="1565149"/>
+            <a:off x="5949718" y="2149901"/>
+            <a:ext cx="2536847" cy="2193608"/>
           </a:xfrm>
           <a:prstGeom prst="bentConnector2">
             <a:avLst/>
@@ -11026,8 +11253,8 @@
         </p:nvCxnSpPr>
         <p:spPr>
           <a:xfrm flipV="1">
-            <a:off x="3924975" y="2373917"/>
-            <a:ext cx="4588813" cy="3446919"/>
+            <a:off x="3924975" y="2453927"/>
+            <a:ext cx="4588813" cy="3366909"/>
           </a:xfrm>
           <a:prstGeom prst="bentConnector2">
             <a:avLst/>
@@ -11068,8 +11295,8 @@
         </p:nvCxnSpPr>
         <p:spPr>
           <a:xfrm flipV="1">
-            <a:off x="8509584" y="2373917"/>
-            <a:ext cx="4204" cy="3256419"/>
+            <a:off x="8509584" y="2453927"/>
+            <a:ext cx="4204" cy="3176409"/>
           </a:xfrm>
           <a:prstGeom prst="straightConnector1">
             <a:avLst/>
@@ -16830,7 +17057,7 @@
         </p:nvGrpSpPr>
         <p:grpSpPr>
           <a:xfrm>
-            <a:off x="10942142" y="2086115"/>
+            <a:off x="10942142" y="2714765"/>
             <a:ext cx="1073150" cy="576854"/>
             <a:chOff x="5562371" y="1803540"/>
             <a:chExt cx="1073150" cy="576854"/>
@@ -17047,7 +17274,7 @@
         </p:nvGrpSpPr>
         <p:grpSpPr>
           <a:xfrm>
-            <a:off x="8613397" y="1831572"/>
+            <a:off x="8613397" y="2288772"/>
             <a:ext cx="2292350" cy="644364"/>
             <a:chOff x="4946730" y="3352905"/>
             <a:chExt cx="2292350" cy="644364"/>
@@ -17287,7 +17514,7 @@
         </p:nvSpPr>
         <p:spPr>
           <a:xfrm>
-            <a:off x="2975366" y="2350427"/>
+            <a:off x="2975366" y="2784767"/>
             <a:ext cx="4290584" cy="401467"/>
           </a:xfrm>
           <a:prstGeom prst="rect">
@@ -17357,7 +17584,7 @@
         </p:nvSpPr>
         <p:spPr>
           <a:xfrm>
-            <a:off x="2991250" y="1854924"/>
+            <a:off x="2991250" y="2289264"/>
             <a:ext cx="4294767" cy="387836"/>
           </a:xfrm>
           <a:prstGeom prst="rect">
@@ -17427,7 +17654,7 @@
         </p:nvSpPr>
         <p:spPr>
           <a:xfrm>
-            <a:off x="2977279" y="2899707"/>
+            <a:off x="2977279" y="3334047"/>
             <a:ext cx="4288671" cy="401468"/>
           </a:xfrm>
           <a:prstGeom prst="rect">
@@ -17497,7 +17724,7 @@
         </p:nvSpPr>
         <p:spPr>
           <a:xfrm>
-            <a:off x="2970074" y="3781162"/>
+            <a:off x="2970074" y="4215502"/>
             <a:ext cx="4288671" cy="387836"/>
           </a:xfrm>
           <a:prstGeom prst="rect">
@@ -17564,15 +17791,15 @@
           </p:cNvPr>
           <p:cNvCxnSpPr>
             <a:cxnSpLocks/>
-            <a:stCxn id="40" idx="1"/>
+            <a:stCxn id="41" idx="1"/>
             <a:endCxn id="5" idx="3"/>
           </p:cNvCxnSpPr>
           <p:nvPr/>
         </p:nvCxnSpPr>
         <p:spPr>
           <a:xfrm flipH="1">
-            <a:off x="7265950" y="2524470"/>
-            <a:ext cx="3676192" cy="26691"/>
+            <a:off x="7265950" y="2943365"/>
+            <a:ext cx="3978126" cy="42136"/>
           </a:xfrm>
           <a:prstGeom prst="straightConnector1">
             <a:avLst/>
@@ -17610,7 +17837,7 @@
         </p:nvSpPr>
         <p:spPr>
           <a:xfrm>
-            <a:off x="7497662" y="2354424"/>
+            <a:off x="7497662" y="2788764"/>
             <a:ext cx="1891865" cy="461665"/>
           </a:xfrm>
           <a:prstGeom prst="rect">
@@ -17656,8 +17883,8 @@
         </p:nvCxnSpPr>
         <p:spPr>
           <a:xfrm flipH="1">
-            <a:off x="7286017" y="2022072"/>
-            <a:ext cx="2283055" cy="26770"/>
+            <a:off x="7286017" y="2479272"/>
+            <a:ext cx="2283055" cy="3910"/>
           </a:xfrm>
           <a:prstGeom prst="straightConnector1">
             <a:avLst/>
@@ -17695,7 +17922,7 @@
         </p:nvSpPr>
         <p:spPr>
           <a:xfrm>
-            <a:off x="7498381" y="1611139"/>
+            <a:off x="7497662" y="2033912"/>
             <a:ext cx="2098651" cy="461665"/>
           </a:xfrm>
           <a:prstGeom prst="rect">
@@ -17745,8 +17972,8 @@
         </p:nvCxnSpPr>
         <p:spPr>
           <a:xfrm flipH="1" flipV="1">
-            <a:off x="7265950" y="3100441"/>
-            <a:ext cx="2029866" cy="736939"/>
+            <a:off x="7265950" y="3534781"/>
+            <a:ext cx="2029866" cy="759799"/>
           </a:xfrm>
           <a:prstGeom prst="straightConnector1">
             <a:avLst/>
@@ -17784,7 +18011,7 @@
         </p:nvSpPr>
         <p:spPr>
           <a:xfrm>
-            <a:off x="7519084" y="3337313"/>
+            <a:off x="7519084" y="3771653"/>
             <a:ext cx="696024" cy="276999"/>
           </a:xfrm>
           <a:prstGeom prst="rect">
@@ -17819,7 +18046,7 @@
         </p:nvSpPr>
         <p:spPr>
           <a:xfrm>
-            <a:off x="9295816" y="2819086"/>
+            <a:off x="9295816" y="3276286"/>
             <a:ext cx="1308511" cy="512188"/>
           </a:xfrm>
           <a:prstGeom prst="rect">
@@ -17893,8 +18120,8 @@
         </p:nvCxnSpPr>
         <p:spPr>
           <a:xfrm flipH="1">
-            <a:off x="7265950" y="3075180"/>
-            <a:ext cx="2029866" cy="25261"/>
+            <a:off x="7265950" y="3532380"/>
+            <a:ext cx="2029866" cy="2401"/>
           </a:xfrm>
           <a:prstGeom prst="straightConnector1">
             <a:avLst/>
@@ -17932,7 +18159,7 @@
         </p:nvSpPr>
         <p:spPr>
           <a:xfrm>
-            <a:off x="7504989" y="2882920"/>
+            <a:off x="7504989" y="3317260"/>
             <a:ext cx="696024" cy="276999"/>
           </a:xfrm>
           <a:prstGeom prst="rect">
@@ -17968,7 +18195,7 @@
         </p:nvSpPr>
         <p:spPr>
           <a:xfrm>
-            <a:off x="9295816" y="4674048"/>
+            <a:off x="9295816" y="5131248"/>
             <a:ext cx="1308511" cy="623077"/>
           </a:xfrm>
           <a:prstGeom prst="rect">
@@ -18042,8 +18269,8 @@
         </p:nvCxnSpPr>
         <p:spPr>
           <a:xfrm flipH="1" flipV="1">
-            <a:off x="7258745" y="3975080"/>
-            <a:ext cx="2037071" cy="1010507"/>
+            <a:off x="7258745" y="4409420"/>
+            <a:ext cx="2037071" cy="1033367"/>
           </a:xfrm>
           <a:prstGeom prst="straightConnector1">
             <a:avLst/>
@@ -18081,7 +18308,7 @@
         </p:nvSpPr>
         <p:spPr>
           <a:xfrm>
-            <a:off x="7515075" y="3891999"/>
+            <a:off x="7515075" y="4326339"/>
             <a:ext cx="865943" cy="276999"/>
           </a:xfrm>
           <a:prstGeom prst="rect">
@@ -18117,7 +18344,7 @@
         </p:nvSpPr>
         <p:spPr>
           <a:xfrm>
-            <a:off x="2970074" y="4395602"/>
+            <a:off x="2970074" y="4829942"/>
             <a:ext cx="4288671" cy="401467"/>
           </a:xfrm>
           <a:prstGeom prst="rect">
@@ -18191,8 +18418,8 @@
         </p:nvCxnSpPr>
         <p:spPr>
           <a:xfrm flipH="1" flipV="1">
-            <a:off x="7258745" y="4596336"/>
-            <a:ext cx="2037071" cy="389251"/>
+            <a:off x="7258745" y="5030676"/>
+            <a:ext cx="2037071" cy="412111"/>
           </a:xfrm>
           <a:prstGeom prst="straightConnector1">
             <a:avLst/>
@@ -18230,7 +18457,7 @@
         </p:nvSpPr>
         <p:spPr>
           <a:xfrm>
-            <a:off x="7515074" y="4418942"/>
+            <a:off x="7515074" y="4853282"/>
             <a:ext cx="865943" cy="276999"/>
           </a:xfrm>
           <a:prstGeom prst="rect">
@@ -18246,7 +18473,7 @@
           <a:p>
             <a:r>
               <a:rPr kumimoji="1" lang="en-US" altLang="ja-JP" sz="1200" dirty="0"/>
-              <a:t>Port 2096</a:t>
+              <a:t>Port 2049</a:t>
             </a:r>
             <a:endParaRPr kumimoji="1" lang="ja-JP" altLang="en-US" sz="1200" dirty="0"/>
           </a:p>
@@ -18266,7 +18493,7 @@
         </p:nvSpPr>
         <p:spPr>
           <a:xfrm>
-            <a:off x="2970073" y="5054109"/>
+            <a:off x="2970073" y="5488449"/>
             <a:ext cx="4288671" cy="401467"/>
           </a:xfrm>
           <a:prstGeom prst="rect">
@@ -18340,8 +18567,8 @@
         </p:nvCxnSpPr>
         <p:spPr>
           <a:xfrm flipH="1">
-            <a:off x="7258744" y="4985587"/>
-            <a:ext cx="2037072" cy="269256"/>
+            <a:off x="7258744" y="5442787"/>
+            <a:ext cx="2037072" cy="246396"/>
           </a:xfrm>
           <a:prstGeom prst="straightConnector1">
             <a:avLst/>
@@ -18379,7 +18606,7 @@
         </p:nvSpPr>
         <p:spPr>
           <a:xfrm>
-            <a:off x="7529209" y="4905137"/>
+            <a:off x="7529209" y="5339477"/>
             <a:ext cx="449162" cy="276999"/>
           </a:xfrm>
           <a:prstGeom prst="rect">
@@ -18415,7 +18642,7 @@
         </p:nvSpPr>
         <p:spPr>
           <a:xfrm>
-            <a:off x="9295816" y="3555015"/>
+            <a:off x="9295816" y="4012215"/>
             <a:ext cx="1308844" cy="564729"/>
           </a:xfrm>
           <a:prstGeom prst="rect">
@@ -20927,17 +21154,17 @@
           </p:cNvPr>
           <p:cNvCxnSpPr>
             <a:cxnSpLocks/>
-            <a:stCxn id="38" idx="3"/>
+            <a:stCxn id="37" idx="2"/>
             <a:endCxn id="9" idx="1"/>
           </p:cNvCxnSpPr>
           <p:nvPr/>
         </p:nvCxnSpPr>
         <p:spPr>
-          <a:xfrm>
-            <a:off x="8031275" y="4365498"/>
-            <a:ext cx="2689727" cy="755680"/>
+          <a:xfrm rot="16200000" flipH="1">
+            <a:off x="9126587" y="3526762"/>
+            <a:ext cx="260089" cy="2928741"/>
           </a:xfrm>
-          <a:prstGeom prst="bentConnector3">
+          <a:prstGeom prst="bentConnector2">
             <a:avLst/>
           </a:prstGeom>
           <a:ln>
@@ -21445,6 +21672,275 @@
             <a:ext cx="4495548" cy="1024165"/>
           </a:xfrm>
           <a:prstGeom prst="bentConnector3">
+            <a:avLst/>
+          </a:prstGeom>
+          <a:ln>
+            <a:tailEnd type="triangle"/>
+          </a:ln>
+        </p:spPr>
+        <p:style>
+          <a:lnRef idx="1">
+            <a:schemeClr val="accent1"/>
+          </a:lnRef>
+          <a:fillRef idx="0">
+            <a:schemeClr val="accent1"/>
+          </a:fillRef>
+          <a:effectRef idx="0">
+            <a:schemeClr val="accent1"/>
+          </a:effectRef>
+          <a:fontRef idx="minor">
+            <a:schemeClr val="tx1"/>
+          </a:fontRef>
+        </p:style>
+      </p:cxnSp>
+      <p:grpSp>
+        <p:nvGrpSpPr>
+          <p:cNvPr id="5" name="グループ化 4">
+            <a:extLst>
+              <a:ext uri="{FF2B5EF4-FFF2-40B4-BE49-F238E27FC236}">
+                <a16:creationId xmlns:a16="http://schemas.microsoft.com/office/drawing/2014/main" id="{76102476-E602-D2D5-940B-A9EC23CC30FF}"/>
+              </a:ext>
+            </a:extLst>
+          </p:cNvPr>
+          <p:cNvGrpSpPr/>
+          <p:nvPr/>
+        </p:nvGrpSpPr>
+        <p:grpSpPr>
+          <a:xfrm>
+            <a:off x="8982783" y="3394927"/>
+            <a:ext cx="1115568" cy="908857"/>
+            <a:chOff x="3964176" y="5126244"/>
+            <a:chExt cx="1115568" cy="908857"/>
+          </a:xfrm>
+        </p:grpSpPr>
+        <p:sp>
+          <p:nvSpPr>
+            <p:cNvPr id="7" name="TextBox 16">
+              <a:extLst>
+                <a:ext uri="{FF2B5EF4-FFF2-40B4-BE49-F238E27FC236}">
+                  <a16:creationId xmlns:a16="http://schemas.microsoft.com/office/drawing/2014/main" id="{62896E07-17E1-241C-4FE3-51DF1383D177}"/>
+                </a:ext>
+              </a:extLst>
+            </p:cNvPr>
+            <p:cNvSpPr txBox="1">
+              <a:spLocks noChangeArrowheads="1"/>
+            </p:cNvSpPr>
+            <p:nvPr/>
+          </p:nvSpPr>
+          <p:spPr bwMode="auto">
+            <a:xfrm>
+              <a:off x="3964176" y="5573436"/>
+              <a:ext cx="1115568" cy="461665"/>
+            </a:xfrm>
+            <a:prstGeom prst="rect">
+              <a:avLst/>
+            </a:prstGeom>
+            <a:noFill/>
+            <a:ln>
+              <a:noFill/>
+            </a:ln>
+            <a:extLst>
+              <a:ext uri="{909E8E84-426E-40DD-AFC4-6F175D3DCCD1}">
+                <a14:hiddenFill xmlns:a14="http://schemas.microsoft.com/office/drawing/2010/main">
+                  <a:solidFill>
+                    <a:srgbClr val="FFFFFF"/>
+                  </a:solidFill>
+                </a14:hiddenFill>
+              </a:ext>
+              <a:ext uri="{91240B29-F687-4F45-9708-019B960494DF}">
+                <a14:hiddenLine xmlns:a14="http://schemas.microsoft.com/office/drawing/2010/main" w="9525">
+                  <a:solidFill>
+                    <a:srgbClr val="000000"/>
+                  </a:solidFill>
+                  <a:miter lim="800000"/>
+                  <a:headEnd/>
+                  <a:tailEnd/>
+                </a14:hiddenLine>
+              </a:ext>
+            </a:extLst>
+          </p:spPr>
+          <p:txBody>
+            <a:bodyPr wrap="square" lIns="0" rIns="0">
+              <a:spAutoFit/>
+            </a:bodyPr>
+            <a:lstStyle>
+              <a:lvl1pPr>
+                <a:defRPr>
+                  <a:solidFill>
+                    <a:schemeClr val="tx1"/>
+                  </a:solidFill>
+                  <a:latin typeface="Calibri" panose="020F0502020204030204" pitchFamily="34" charset="0"/>
+                </a:defRPr>
+              </a:lvl1pPr>
+              <a:lvl2pPr marL="742950" indent="-285750">
+                <a:defRPr>
+                  <a:solidFill>
+                    <a:schemeClr val="tx1"/>
+                  </a:solidFill>
+                  <a:latin typeface="Calibri" panose="020F0502020204030204" pitchFamily="34" charset="0"/>
+                </a:defRPr>
+              </a:lvl2pPr>
+              <a:lvl3pPr marL="1143000" indent="-228600">
+                <a:defRPr>
+                  <a:solidFill>
+                    <a:schemeClr val="tx1"/>
+                  </a:solidFill>
+                  <a:latin typeface="Calibri" panose="020F0502020204030204" pitchFamily="34" charset="0"/>
+                </a:defRPr>
+              </a:lvl3pPr>
+              <a:lvl4pPr marL="1600200" indent="-228600">
+                <a:defRPr>
+                  <a:solidFill>
+                    <a:schemeClr val="tx1"/>
+                  </a:solidFill>
+                  <a:latin typeface="Calibri" panose="020F0502020204030204" pitchFamily="34" charset="0"/>
+                </a:defRPr>
+              </a:lvl4pPr>
+              <a:lvl5pPr marL="2057400" indent="-228600">
+                <a:defRPr>
+                  <a:solidFill>
+                    <a:schemeClr val="tx1"/>
+                  </a:solidFill>
+                  <a:latin typeface="Calibri" panose="020F0502020204030204" pitchFamily="34" charset="0"/>
+                </a:defRPr>
+              </a:lvl5pPr>
+              <a:lvl6pPr marL="2514600" indent="-228600" eaLnBrk="0" fontAlgn="base" hangingPunct="0">
+                <a:spcBef>
+                  <a:spcPct val="0"/>
+                </a:spcBef>
+                <a:spcAft>
+                  <a:spcPct val="0"/>
+                </a:spcAft>
+                <a:defRPr>
+                  <a:solidFill>
+                    <a:schemeClr val="tx1"/>
+                  </a:solidFill>
+                  <a:latin typeface="Calibri" panose="020F0502020204030204" pitchFamily="34" charset="0"/>
+                </a:defRPr>
+              </a:lvl6pPr>
+              <a:lvl7pPr marL="2971800" indent="-228600" eaLnBrk="0" fontAlgn="base" hangingPunct="0">
+                <a:spcBef>
+                  <a:spcPct val="0"/>
+                </a:spcBef>
+                <a:spcAft>
+                  <a:spcPct val="0"/>
+                </a:spcAft>
+                <a:defRPr>
+                  <a:solidFill>
+                    <a:schemeClr val="tx1"/>
+                  </a:solidFill>
+                  <a:latin typeface="Calibri" panose="020F0502020204030204" pitchFamily="34" charset="0"/>
+                </a:defRPr>
+              </a:lvl7pPr>
+              <a:lvl8pPr marL="3429000" indent="-228600" eaLnBrk="0" fontAlgn="base" hangingPunct="0">
+                <a:spcBef>
+                  <a:spcPct val="0"/>
+                </a:spcBef>
+                <a:spcAft>
+                  <a:spcPct val="0"/>
+                </a:spcAft>
+                <a:defRPr>
+                  <a:solidFill>
+                    <a:schemeClr val="tx1"/>
+                  </a:solidFill>
+                  <a:latin typeface="Calibri" panose="020F0502020204030204" pitchFamily="34" charset="0"/>
+                </a:defRPr>
+              </a:lvl8pPr>
+              <a:lvl9pPr marL="3886200" indent="-228600" eaLnBrk="0" fontAlgn="base" hangingPunct="0">
+                <a:spcBef>
+                  <a:spcPct val="0"/>
+                </a:spcBef>
+                <a:spcAft>
+                  <a:spcPct val="0"/>
+                </a:spcAft>
+                <a:defRPr>
+                  <a:solidFill>
+                    <a:schemeClr val="tx1"/>
+                  </a:solidFill>
+                  <a:latin typeface="Calibri" panose="020F0502020204030204" pitchFamily="34" charset="0"/>
+                </a:defRPr>
+              </a:lvl9pPr>
+            </a:lstStyle>
+            <a:p>
+              <a:pPr algn="ctr" eaLnBrk="1" hangingPunct="1"/>
+              <a:r>
+                <a:rPr lang="en-US" altLang="ja-JP" sz="1200" dirty="0">
+                  <a:latin typeface="Arial" panose="020B0604020202020204" pitchFamily="34" charset="0"/>
+                  <a:ea typeface="Amazon Ember" panose="020B0603020204020204" pitchFamily="34" charset="0"/>
+                  <a:cs typeface="Arial" panose="020B0604020202020204" pitchFamily="34" charset="0"/>
+                </a:rPr>
+                <a:t>Bastion </a:t>
+              </a:r>
+              <a:r>
+                <a:rPr lang="en-US" altLang="en-US" sz="1200" dirty="0">
+                  <a:latin typeface="Arial" panose="020B0604020202020204" pitchFamily="34" charset="0"/>
+                  <a:ea typeface="Amazon Ember" panose="020B0603020204020204" pitchFamily="34" charset="0"/>
+                  <a:cs typeface="Arial" panose="020B0604020202020204" pitchFamily="34" charset="0"/>
+                </a:rPr>
+                <a:t>Instance</a:t>
+              </a:r>
+            </a:p>
+          </p:txBody>
+        </p:sp>
+        <p:pic>
+          <p:nvPicPr>
+            <p:cNvPr id="8" name="Graphic 46">
+              <a:extLst>
+                <a:ext uri="{FF2B5EF4-FFF2-40B4-BE49-F238E27FC236}">
+                  <a16:creationId xmlns:a16="http://schemas.microsoft.com/office/drawing/2014/main" id="{B5BBAA67-A046-CFB1-AA0F-594450555C1E}"/>
+                </a:ext>
+              </a:extLst>
+            </p:cNvPr>
+            <p:cNvPicPr>
+              <a:picLocks noChangeAspect="1"/>
+            </p:cNvPicPr>
+            <p:nvPr/>
+          </p:nvPicPr>
+          <p:blipFill>
+            <a:blip r:embed="rId12">
+              <a:extLst>
+                <a:ext uri="{96DAC541-7B7A-43D3-8B79-37D633B846F1}">
+                  <asvg:svgBlip xmlns:asvg="http://schemas.microsoft.com/office/drawing/2016/SVG/main" r:embed="rId13"/>
+                </a:ext>
+              </a:extLst>
+            </a:blip>
+            <a:stretch>
+              <a:fillRect/>
+            </a:stretch>
+          </p:blipFill>
+          <p:spPr>
+            <a:xfrm>
+              <a:off x="4303774" y="5126244"/>
+              <a:ext cx="457200" cy="457200"/>
+            </a:xfrm>
+            <a:prstGeom prst="rect">
+              <a:avLst/>
+            </a:prstGeom>
+          </p:spPr>
+        </p:pic>
+      </p:grpSp>
+      <p:cxnSp>
+        <p:nvCxnSpPr>
+          <p:cNvPr id="10" name="コネクタ: カギ線 9">
+            <a:extLst>
+              <a:ext uri="{FF2B5EF4-FFF2-40B4-BE49-F238E27FC236}">
+                <a16:creationId xmlns:a16="http://schemas.microsoft.com/office/drawing/2014/main" id="{4048100B-1679-6C9C-E1D4-9E1F9BFBE4B2}"/>
+              </a:ext>
+            </a:extLst>
+          </p:cNvPr>
+          <p:cNvCxnSpPr>
+            <a:cxnSpLocks/>
+            <a:stCxn id="7" idx="2"/>
+            <a:endCxn id="9" idx="1"/>
+          </p:cNvCxnSpPr>
+          <p:nvPr/>
+        </p:nvCxnSpPr>
+        <p:spPr>
+          <a:xfrm rot="16200000" flipH="1">
+            <a:off x="9722087" y="4122263"/>
+            <a:ext cx="817394" cy="1180435"/>
+          </a:xfrm>
+          <a:prstGeom prst="bentConnector2">
             <a:avLst/>
           </a:prstGeom>
           <a:ln>
